--- a/Phase 1/Helping Material/Documents/CommJ Experiment Introduction.pptx
+++ b/Phase 1/Helping Material/Documents/CommJ Experiment Introduction.pptx
@@ -10503,7 +10503,7 @@
               <a:pPr>
                 <a:defRPr/>
               </a:pPr>
-              <a:t>11/20/13</a:t>
+              <a:t>11/21/13</a:t>
             </a:fld>
             <a:endParaRPr lang="en-US"/>
           </a:p>
@@ -12322,7 +12322,7 @@
               <a:pPr>
                 <a:defRPr/>
               </a:pPr>
-              <a:t>11/20/13</a:t>
+              <a:t>11/21/13</a:t>
             </a:fld>
             <a:endParaRPr lang="en-US"/>
           </a:p>
@@ -12467,7 +12467,7 @@
               <a:pPr>
                 <a:defRPr/>
               </a:pPr>
-              <a:t>11/20/13</a:t>
+              <a:t>11/21/13</a:t>
             </a:fld>
             <a:endParaRPr lang="en-US"/>
           </a:p>
@@ -12589,7 +12589,7 @@
               <a:pPr>
                 <a:defRPr/>
               </a:pPr>
-              <a:t>11/20/13</a:t>
+              <a:t>11/21/13</a:t>
             </a:fld>
             <a:endParaRPr lang="en-US"/>
           </a:p>
@@ -12967,7 +12967,7 @@
               <a:pPr>
                 <a:defRPr/>
               </a:pPr>
-              <a:t>11/20/13</a:t>
+              <a:t>11/21/13</a:t>
             </a:fld>
             <a:endParaRPr lang="en-US"/>
           </a:p>
@@ -13403,7 +13403,7 @@
               <a:pPr>
                 <a:defRPr/>
               </a:pPr>
-              <a:t>11/20/13</a:t>
+              <a:t>11/21/13</a:t>
             </a:fld>
             <a:endParaRPr lang="en-US"/>
           </a:p>
@@ -13980,7 +13980,7 @@
               <a:pPr>
                 <a:defRPr/>
               </a:pPr>
-              <a:t>11/20/13</a:t>
+              <a:t>11/21/13</a:t>
             </a:fld>
             <a:endParaRPr lang="en-US"/>
           </a:p>
@@ -14411,7 +14411,7 @@
               <a:pPr>
                 <a:defRPr/>
               </a:pPr>
-              <a:t>11/20/13</a:t>
+              <a:t>11/21/13</a:t>
             </a:fld>
             <a:endParaRPr lang="en-US"/>
           </a:p>
@@ -14936,7 +14936,7 @@
               <a:pPr>
                 <a:defRPr/>
               </a:pPr>
-              <a:t>11/20/13</a:t>
+              <a:t>11/21/13</a:t>
             </a:fld>
             <a:endParaRPr lang="en-US"/>
           </a:p>
@@ -15486,7 +15486,7 @@
               <a:pPr>
                 <a:defRPr/>
               </a:pPr>
-              <a:t>11/20/13</a:t>
+              <a:t>11/21/13</a:t>
             </a:fld>
             <a:endParaRPr lang="en-US"/>
           </a:p>
@@ -15697,7 +15697,7 @@
               <a:pPr>
                 <a:defRPr/>
               </a:pPr>
-              <a:t>11/20/13</a:t>
+              <a:t>11/21/13</a:t>
             </a:fld>
             <a:endParaRPr lang="en-US"/>
           </a:p>
@@ -15898,7 +15898,7 @@
               <a:pPr>
                 <a:defRPr/>
               </a:pPr>
-              <a:t>11/20/13</a:t>
+              <a:t>11/21/13</a:t>
             </a:fld>
             <a:endParaRPr lang="en-US"/>
           </a:p>
@@ -16243,7 +16243,7 @@
               <a:pPr>
                 <a:defRPr/>
               </a:pPr>
-              <a:t>11/20/13</a:t>
+              <a:t>11/21/13</a:t>
             </a:fld>
             <a:endParaRPr lang="en-US"/>
           </a:p>
@@ -16909,7 +16909,7 @@
               <a:pPr>
                 <a:defRPr/>
               </a:pPr>
-              <a:t>11/20/13</a:t>
+              <a:t>11/21/13</a:t>
             </a:fld>
             <a:endParaRPr lang="en-US"/>
           </a:p>
@@ -17615,7 +17615,7 @@
               <a:pPr>
                 <a:defRPr/>
               </a:pPr>
-              <a:t>11/20/13</a:t>
+              <a:t>11/21/13</a:t>
             </a:fld>
             <a:endParaRPr lang="en-US"/>
           </a:p>
@@ -18153,7 +18153,7 @@
               <a:pPr>
                 <a:defRPr/>
               </a:pPr>
-              <a:t>11/20/13</a:t>
+              <a:t>11/21/13</a:t>
             </a:fld>
             <a:endParaRPr lang="en-US"/>
           </a:p>
@@ -18486,7 +18486,7 @@
               <a:pPr>
                 <a:defRPr/>
               </a:pPr>
-              <a:t>11/20/13</a:t>
+              <a:t>11/21/13</a:t>
             </a:fld>
             <a:endParaRPr lang="en-US"/>
           </a:p>
@@ -18972,7 +18972,7 @@
               <a:pPr>
                 <a:defRPr/>
               </a:pPr>
-              <a:t>11/20/13</a:t>
+              <a:t>11/21/13</a:t>
             </a:fld>
             <a:endParaRPr lang="en-US"/>
           </a:p>
@@ -19291,7 +19291,7 @@
               <a:pPr>
                 <a:defRPr/>
               </a:pPr>
-              <a:t>11/20/13</a:t>
+              <a:t>11/21/13</a:t>
             </a:fld>
             <a:endParaRPr lang="en-US"/>
           </a:p>
@@ -19697,7 +19697,7 @@
               <a:pPr>
                 <a:defRPr/>
               </a:pPr>
-              <a:t>11/20/13</a:t>
+              <a:t>11/21/13</a:t>
             </a:fld>
             <a:endParaRPr lang="en-US"/>
           </a:p>
@@ -20356,7 +20356,7 @@
               <a:pPr>
                 <a:defRPr/>
               </a:pPr>
-              <a:t>11/20/13</a:t>
+              <a:t>11/21/13</a:t>
             </a:fld>
             <a:endParaRPr lang="en-US"/>
           </a:p>
@@ -20501,7 +20501,7 @@
               <a:pPr>
                 <a:defRPr/>
               </a:pPr>
-              <a:t>11/20/13</a:t>
+              <a:t>11/21/13</a:t>
             </a:fld>
             <a:endParaRPr lang="en-US"/>
           </a:p>
@@ -20623,7 +20623,7 @@
               <a:pPr>
                 <a:defRPr/>
               </a:pPr>
-              <a:t>11/20/13</a:t>
+              <a:t>11/21/13</a:t>
             </a:fld>
             <a:endParaRPr lang="en-US"/>
           </a:p>
@@ -21001,7 +21001,7 @@
               <a:pPr>
                 <a:defRPr/>
               </a:pPr>
-              <a:t>11/20/13</a:t>
+              <a:t>11/21/13</a:t>
             </a:fld>
             <a:endParaRPr lang="en-US"/>
           </a:p>
@@ -21437,7 +21437,7 @@
               <a:pPr>
                 <a:defRPr/>
               </a:pPr>
-              <a:t>11/20/13</a:t>
+              <a:t>11/21/13</a:t>
             </a:fld>
             <a:endParaRPr lang="en-US"/>
           </a:p>
@@ -22014,7 +22014,7 @@
               <a:pPr>
                 <a:defRPr/>
               </a:pPr>
-              <a:t>11/20/13</a:t>
+              <a:t>11/21/13</a:t>
             </a:fld>
             <a:endParaRPr lang="en-US"/>
           </a:p>
@@ -22445,7 +22445,7 @@
               <a:pPr>
                 <a:defRPr/>
               </a:pPr>
-              <a:t>11/20/13</a:t>
+              <a:t>11/21/13</a:t>
             </a:fld>
             <a:endParaRPr lang="en-US"/>
           </a:p>
@@ -22970,7 +22970,7 @@
               <a:pPr>
                 <a:defRPr/>
               </a:pPr>
-              <a:t>11/20/13</a:t>
+              <a:t>11/21/13</a:t>
             </a:fld>
             <a:endParaRPr lang="en-US"/>
           </a:p>
@@ -23520,7 +23520,7 @@
               <a:pPr>
                 <a:defRPr/>
               </a:pPr>
-              <a:t>11/20/13</a:t>
+              <a:t>11/21/13</a:t>
             </a:fld>
             <a:endParaRPr lang="en-US"/>
           </a:p>
@@ -23731,7 +23731,7 @@
               <a:pPr>
                 <a:defRPr/>
               </a:pPr>
-              <a:t>11/20/13</a:t>
+              <a:t>11/21/13</a:t>
             </a:fld>
             <a:endParaRPr lang="en-US"/>
           </a:p>
@@ -24304,7 +24304,7 @@
               <a:pPr>
                 <a:defRPr/>
               </a:pPr>
-              <a:t>11/20/13</a:t>
+              <a:t>11/21/13</a:t>
             </a:fld>
             <a:endParaRPr lang="en-US"/>
           </a:p>
@@ -24654,7 +24654,7 @@
               <a:pPr>
                 <a:defRPr/>
               </a:pPr>
-              <a:t>11/20/13</a:t>
+              <a:t>11/21/13</a:t>
             </a:fld>
             <a:endParaRPr lang="en-US"/>
           </a:p>
@@ -25053,7 +25053,7 @@
               <a:pPr>
                 <a:defRPr/>
               </a:pPr>
-              <a:t>11/20/13</a:t>
+              <a:t>11/21/13</a:t>
             </a:fld>
             <a:endParaRPr lang="en-US"/>
           </a:p>
@@ -25386,7 +25386,7 @@
               <a:pPr>
                 <a:defRPr/>
               </a:pPr>
-              <a:t>11/20/13</a:t>
+              <a:t>11/21/13</a:t>
             </a:fld>
             <a:endParaRPr lang="en-US"/>
           </a:p>
@@ -25872,7 +25872,7 @@
               <a:pPr>
                 <a:defRPr/>
               </a:pPr>
-              <a:t>11/20/13</a:t>
+              <a:t>11/21/13</a:t>
             </a:fld>
             <a:endParaRPr lang="en-US"/>
           </a:p>
@@ -26191,7 +26191,7 @@
               <a:pPr>
                 <a:defRPr/>
               </a:pPr>
-              <a:t>11/20/13</a:t>
+              <a:t>11/21/13</a:t>
             </a:fld>
             <a:endParaRPr lang="en-US"/>
           </a:p>
@@ -26597,7 +26597,7 @@
               <a:pPr>
                 <a:defRPr/>
               </a:pPr>
-              <a:t>11/20/13</a:t>
+              <a:t>11/21/13</a:t>
             </a:fld>
             <a:endParaRPr lang="en-US"/>
           </a:p>
@@ -26898,7 +26898,7 @@
               <a:pPr>
                 <a:defRPr/>
               </a:pPr>
-              <a:t>11/20/13</a:t>
+              <a:t>11/21/13</a:t>
             </a:fld>
             <a:endParaRPr lang="en-US"/>
           </a:p>
@@ -27730,7 +27730,7 @@
               <a:pPr>
                 <a:defRPr/>
               </a:pPr>
-              <a:t>11/20/13</a:t>
+              <a:t>11/21/13</a:t>
             </a:fld>
             <a:endParaRPr lang="en-US"/>
           </a:p>
@@ -28675,11 +28675,7 @@
             </a:r>
             <a:r>
               <a:rPr lang="en-US" dirty="0" smtClean="0"/>
-              <a:t>a post-implementation </a:t>
-            </a:r>
-            <a:r>
-              <a:rPr lang="en-US" dirty="0" smtClean="0"/>
-              <a:t>questionnaires</a:t>
+              <a:t>a post-implementation questionnaires</a:t>
             </a:r>
           </a:p>
           <a:p>
@@ -33325,7 +33321,7 @@
         </p:nvSpPr>
         <p:spPr>
           <a:xfrm>
-            <a:off x="657699" y="1689712"/>
+            <a:off x="657699" y="1659232"/>
             <a:ext cx="2528740" cy="267934"/>
           </a:xfrm>
           <a:prstGeom prst="rect">
